--- a/Poster_editable.pptx
+++ b/Poster_editable.pptx
@@ -14217,7 +14217,7 @@
         <p:spPr>
           <a:xfrm>
             <a:off x="503075" y="4860275"/>
-            <a:ext cx="14430900" cy="10776900"/>
+            <a:ext cx="14430900" cy="10401000"/>
           </a:xfrm>
           <a:prstGeom prst="rect">
             <a:avLst/>
@@ -14367,7 +14367,7 @@
         <p:spPr>
           <a:xfrm>
             <a:off x="662200" y="6075575"/>
-            <a:ext cx="14164500" cy="9561600"/>
+            <a:ext cx="14164500" cy="9185700"/>
           </a:xfrm>
           <a:prstGeom prst="rect">
             <a:avLst/>
@@ -14493,7 +14493,7 @@
               <a:buChar char="●"/>
             </a:pPr>
             <a:r>
-              <a:rPr b="1" lang="en-US" sz="3400">
+              <a:rPr lang="en-US" sz="3400">
                 <a:solidFill>
                   <a:schemeClr val="dk1"/>
                 </a:solidFill>
@@ -14505,22 +14505,7 @@
                 <a:cs typeface="Calibri"/>
                 <a:sym typeface="Calibri"/>
               </a:rPr>
-              <a:t>Our Objective</a:t>
-            </a:r>
-            <a:r>
-              <a:rPr lang="en-US" sz="3400">
-                <a:solidFill>
-                  <a:schemeClr val="dk1"/>
-                </a:solidFill>
-                <a:highlight>
-                  <a:srgbClr val="DFE8F1"/>
-                </a:highlight>
-                <a:latin typeface="Calibri"/>
-                <a:ea typeface="Calibri"/>
-                <a:cs typeface="Calibri"/>
-                <a:sym typeface="Calibri"/>
-              </a:rPr>
-              <a:t>: By simulating Izhikevich’s Conductance neurons we want to observe the two estimates of LFP provided by Graben et al. (2013). We also want to observe the correlation between the LFP signals and the observed output spikes</a:t>
+              <a:t>Our Objective: By simulating Izhikevich’s Conductance neurons we want to observe the two estimates of LFP provided by Graben et al. (2013). We also want to observe the correlation between the LFP signals and the observed output spikes</a:t>
             </a:r>
             <a:endParaRPr sz="3400">
               <a:solidFill>
@@ -14704,7 +14689,7 @@
                 <a:cs typeface="Calibri"/>
                 <a:sym typeface="Calibri"/>
               </a:rPr>
-              <a:t>We analysed and observed the resemblance between the various graphs in terms of peaks and troughs in LFP.</a:t>
+              <a:t>We analysed and observed the resemblance between the various graphs in terms of peaks and troughs in LFP.  We seek to prove the hypothesis that the LFPs produced above show similar properties in their plots.  </a:t>
             </a:r>
             <a:endParaRPr sz="3400">
               <a:solidFill>
@@ -14758,8 +14743,8 @@
         </p:nvSpPr>
         <p:spPr>
           <a:xfrm>
-            <a:off x="484400" y="17028950"/>
-            <a:ext cx="14430900" cy="25142700"/>
+            <a:off x="484400" y="16587650"/>
+            <a:ext cx="14430900" cy="25584000"/>
           </a:xfrm>
           <a:prstGeom prst="rect">
             <a:avLst/>
@@ -14825,7 +14810,7 @@
         </p:nvSpPr>
         <p:spPr>
           <a:xfrm>
-            <a:off x="503081" y="15789938"/>
+            <a:off x="484406" y="15348638"/>
             <a:ext cx="14430900" cy="1239000"/>
           </a:xfrm>
           <a:prstGeom prst="rect">
@@ -14897,7 +14882,7 @@
         <p:spPr>
           <a:xfrm>
             <a:off x="15481500" y="12954125"/>
-            <a:ext cx="13936800" cy="9023100"/>
+            <a:ext cx="14008500" cy="8755200"/>
           </a:xfrm>
           <a:prstGeom prst="rect">
             <a:avLst/>
@@ -14963,8 +14948,8 @@
         </p:nvSpPr>
         <p:spPr>
           <a:xfrm>
-            <a:off x="15442500" y="23395650"/>
-            <a:ext cx="14086500" cy="8441400"/>
+            <a:off x="15442500" y="21709475"/>
+            <a:ext cx="14053800" cy="8220300"/>
           </a:xfrm>
           <a:prstGeom prst="rect">
             <a:avLst/>
@@ -15284,6 +15269,39 @@
             </a:endParaRPr>
           </a:p>
           <a:p>
+            <a:pPr indent="0" lvl="0" marL="0" rtl="0" algn="ctr">
+              <a:spcBef>
+                <a:spcPts val="0"/>
+              </a:spcBef>
+              <a:spcAft>
+                <a:spcPts val="0"/>
+              </a:spcAft>
+              <a:buClr>
+                <a:schemeClr val="dk1"/>
+              </a:buClr>
+              <a:buSzPts val="5700"/>
+              <a:buFont typeface="Arial"/>
+              <a:buNone/>
+            </a:pPr>
+            <a:r>
+              <a:rPr b="1" lang="en-US" sz="5700">
+                <a:solidFill>
+                  <a:schemeClr val="dk1"/>
+                </a:solidFill>
+                <a:latin typeface="Constantia"/>
+                <a:ea typeface="Constantia"/>
+                <a:cs typeface="Constantia"/>
+                <a:sym typeface="Constantia"/>
+              </a:rPr>
+              <a:t>Results &amp; Conclusion</a:t>
+            </a:r>
+            <a:endParaRPr sz="2000">
+              <a:solidFill>
+                <a:schemeClr val="dk1"/>
+              </a:solidFill>
+            </a:endParaRPr>
+          </a:p>
+          <a:p>
             <a:pPr indent="0" lvl="0" marL="0" marR="0" rtl="0" algn="l">
               <a:lnSpc>
                 <a:spcPct val="100000"/>
@@ -15319,8 +15337,8 @@
         </p:nvSpPr>
         <p:spPr>
           <a:xfrm>
-            <a:off x="15462800" y="22071675"/>
-            <a:ext cx="14086500" cy="1323900"/>
+            <a:off x="15462800" y="20684075"/>
+            <a:ext cx="14053800" cy="1025400"/>
           </a:xfrm>
           <a:prstGeom prst="rect">
             <a:avLst/>
@@ -15585,8 +15603,8 @@
         </p:nvSpPr>
         <p:spPr>
           <a:xfrm>
-            <a:off x="15462800" y="34881450"/>
-            <a:ext cx="14008500" cy="7290000"/>
+            <a:off x="15462800" y="34546600"/>
+            <a:ext cx="14053800" cy="7624800"/>
           </a:xfrm>
           <a:prstGeom prst="rect">
             <a:avLst/>
@@ -15748,8 +15766,8 @@
         </p:nvSpPr>
         <p:spPr>
           <a:xfrm>
-            <a:off x="15462800" y="33795575"/>
-            <a:ext cx="14286000" cy="1025400"/>
+            <a:off x="15462800" y="33497000"/>
+            <a:ext cx="14053800" cy="1025400"/>
           </a:xfrm>
           <a:prstGeom prst="rect">
             <a:avLst/>
@@ -16286,8 +16304,8 @@
         </p:nvSpPr>
         <p:spPr>
           <a:xfrm>
-            <a:off x="15462788" y="31891800"/>
-            <a:ext cx="14008500" cy="1992900"/>
+            <a:off x="15462800" y="30957900"/>
+            <a:ext cx="14053800" cy="2514900"/>
           </a:xfrm>
           <a:prstGeom prst="rect">
             <a:avLst/>
@@ -16353,8 +16371,8 @@
         </p:nvSpPr>
         <p:spPr>
           <a:xfrm>
-            <a:off x="15409900" y="31850100"/>
-            <a:ext cx="13764900" cy="1992900"/>
+            <a:off x="15409900" y="30915950"/>
+            <a:ext cx="13764900" cy="2514900"/>
           </a:xfrm>
           <a:prstGeom prst="rect">
             <a:avLst/>
@@ -16370,22 +16388,17 @@
           </a:bodyPr>
           <a:lstStyle/>
           <a:p>
-            <a:pPr indent="0" lvl="0" marL="0" rtl="0" algn="just">
-              <a:spcBef>
-                <a:spcPts val="0"/>
-              </a:spcBef>
-              <a:spcAft>
-                <a:spcPts val="0"/>
-              </a:spcAft>
-              <a:buClr>
-                <a:schemeClr val="dk1"/>
-              </a:buClr>
-              <a:buSzPts val="4200"/>
-              <a:buFont typeface="Arial"/>
+            <a:pPr indent="0" lvl="0" marL="457200" rtl="0" algn="just">
+              <a:spcBef>
+                <a:spcPts val="0"/>
+              </a:spcBef>
+              <a:spcAft>
+                <a:spcPts val="0"/>
+              </a:spcAft>
               <a:buNone/>
             </a:pPr>
             <a:r>
-              <a:rPr b="1" lang="en-US" sz="4200">
+              <a:rPr lang="en-US" sz="3400">
                 <a:solidFill>
                   <a:schemeClr val="dk1"/>
                 </a:solidFill>
@@ -16394,108 +16407,7 @@
                 <a:cs typeface="Calibri"/>
                 <a:sym typeface="Calibri"/>
               </a:rPr>
-              <a:t>   </a:t>
-            </a:r>
-            <a:r>
-              <a:rPr b="1" lang="en-US" sz="4200" u="sng">
-                <a:solidFill>
-                  <a:schemeClr val="dk1"/>
-                </a:solidFill>
-                <a:latin typeface="Calibri"/>
-                <a:ea typeface="Calibri"/>
-                <a:cs typeface="Calibri"/>
-                <a:sym typeface="Calibri"/>
-              </a:rPr>
-              <a:t>ACKNOWLEDGEMENT</a:t>
-            </a:r>
-            <a:endParaRPr sz="3400">
-              <a:solidFill>
-                <a:schemeClr val="dk1"/>
-              </a:solidFill>
-              <a:latin typeface="Calibri"/>
-              <a:ea typeface="Calibri"/>
-              <a:cs typeface="Calibri"/>
-              <a:sym typeface="Calibri"/>
-            </a:endParaRPr>
-          </a:p>
-          <a:p>
-            <a:pPr indent="-444500" lvl="0" marL="457200" rtl="0" algn="just">
-              <a:spcBef>
-                <a:spcPts val="0"/>
-              </a:spcBef>
-              <a:spcAft>
-                <a:spcPts val="0"/>
-              </a:spcAft>
-              <a:buClr>
-                <a:schemeClr val="dk1"/>
-              </a:buClr>
-              <a:buSzPts val="3400"/>
-              <a:buFont typeface="Calibri"/>
-              <a:buChar char="●"/>
-            </a:pPr>
-            <a:r>
-              <a:rPr lang="en-US" sz="3400">
-                <a:solidFill>
-                  <a:schemeClr val="dk1"/>
-                </a:solidFill>
-                <a:latin typeface="Calibri"/>
-                <a:ea typeface="Calibri"/>
-                <a:cs typeface="Calibri"/>
-                <a:sym typeface="Calibri"/>
-              </a:rPr>
-              <a:t>A special thanks to </a:t>
-            </a:r>
-            <a:r>
-              <a:rPr b="1" lang="en-US" sz="3400">
-                <a:solidFill>
-                  <a:schemeClr val="dk1"/>
-                </a:solidFill>
-                <a:latin typeface="Calibri"/>
-                <a:ea typeface="Calibri"/>
-                <a:cs typeface="Calibri"/>
-                <a:sym typeface="Calibri"/>
-              </a:rPr>
-              <a:t>Dr. Basabdatta Sen Bhattacharya</a:t>
-            </a:r>
-            <a:r>
-              <a:rPr lang="en-US" sz="3400">
-                <a:solidFill>
-                  <a:schemeClr val="dk1"/>
-                </a:solidFill>
-                <a:latin typeface="Calibri"/>
-                <a:ea typeface="Calibri"/>
-                <a:cs typeface="Calibri"/>
-                <a:sym typeface="Calibri"/>
-              </a:rPr>
-              <a:t> for the guidance and mentorship.</a:t>
-            </a:r>
-            <a:endParaRPr sz="3400">
-              <a:solidFill>
-                <a:schemeClr val="dk1"/>
-              </a:solidFill>
-              <a:latin typeface="Calibri"/>
-              <a:ea typeface="Calibri"/>
-              <a:cs typeface="Calibri"/>
-              <a:sym typeface="Calibri"/>
-            </a:endParaRPr>
-          </a:p>
-          <a:p>
-            <a:pPr indent="0" lvl="0" marL="647700" rtl="0" algn="l">
-              <a:spcBef>
-                <a:spcPts val="0"/>
-              </a:spcBef>
-              <a:spcAft>
-                <a:spcPts val="0"/>
-              </a:spcAft>
-              <a:buClr>
-                <a:schemeClr val="dk1"/>
-              </a:buClr>
-              <a:buSzPts val="1300"/>
-              <a:buFont typeface="Arial"/>
-              <a:buNone/>
-            </a:pPr>
-            <a:r>
-              <a:t/>
+              <a:t>A special thanks to Dr. Basabdatta Sen Bhattacharya for her invaluable guidance and mentorship throughout this assignment. We are grateful for her insights, which have enhanced our understanding and contributed to the successful completion of this assignment.</a:t>
             </a:r>
             <a:endParaRPr sz="1300">
               <a:solidFill>
@@ -16575,7 +16487,7 @@
         <p:spPr>
           <a:xfrm>
             <a:off x="15466400" y="13029750"/>
-            <a:ext cx="14086500" cy="9023100"/>
+            <a:ext cx="13586700" cy="7654200"/>
           </a:xfrm>
           <a:prstGeom prst="rect">
             <a:avLst/>
@@ -16593,7 +16505,7 @@
           <a:p>
             <a:pPr indent="-444500" lvl="0" marL="457200" rtl="0" algn="l">
               <a:lnSpc>
-                <a:spcPct val="115000"/>
+                <a:spcPct val="100000"/>
               </a:lnSpc>
               <a:spcBef>
                 <a:spcPts val="0"/>
@@ -16636,37 +16548,7 @@
                 <a:cs typeface="Calibri"/>
                 <a:sym typeface="Calibri"/>
               </a:rPr>
-              <a:t>sed the </a:t>
-            </a:r>
-            <a:r>
-              <a:rPr b="1" lang="en-US" sz="3400">
-                <a:solidFill>
-                  <a:schemeClr val="dk1"/>
-                </a:solidFill>
-                <a:highlight>
-                  <a:srgbClr val="DFE8F1"/>
-                </a:highlight>
-                <a:latin typeface="Calibri"/>
-                <a:ea typeface="Calibri"/>
-                <a:cs typeface="Calibri"/>
-                <a:sym typeface="Calibri"/>
-              </a:rPr>
-              <a:t>SpiNNaker</a:t>
-            </a:r>
-            <a:r>
-              <a:rPr lang="en-US" sz="3400">
-                <a:solidFill>
-                  <a:schemeClr val="dk1"/>
-                </a:solidFill>
-                <a:highlight>
-                  <a:srgbClr val="DFE8F1"/>
-                </a:highlight>
-                <a:latin typeface="Calibri"/>
-                <a:ea typeface="Calibri"/>
-                <a:cs typeface="Calibri"/>
-                <a:sym typeface="Calibri"/>
-              </a:rPr>
-              <a:t> platform to perform this simulation</a:t>
+              <a:t>sed the SpiNNaker platform to perform this simulation</a:t>
             </a:r>
             <a:endParaRPr sz="3400">
               <a:solidFill>
@@ -16684,7 +16566,7 @@
           <a:p>
             <a:pPr indent="-444500" lvl="0" marL="457200" rtl="0" algn="l">
               <a:lnSpc>
-                <a:spcPct val="115000"/>
+                <a:spcPct val="100000"/>
               </a:lnSpc>
               <a:spcBef>
                 <a:spcPts val="0"/>
@@ -16730,7 +16612,7 @@
           <a:p>
             <a:pPr indent="-444500" lvl="0" marL="457200" rtl="0" algn="l">
               <a:lnSpc>
-                <a:spcPct val="115000"/>
+                <a:spcPct val="100000"/>
               </a:lnSpc>
               <a:spcBef>
                 <a:spcPts val="0"/>
@@ -16821,7 +16703,7 @@
           <a:p>
             <a:pPr indent="-444500" lvl="0" marL="457200" rtl="0" algn="l">
               <a:lnSpc>
-                <a:spcPct val="115000"/>
+                <a:spcPct val="100000"/>
               </a:lnSpc>
               <a:spcBef>
                 <a:spcPts val="0"/>
@@ -16882,7 +16764,7 @@
           <a:p>
             <a:pPr indent="-444500" lvl="0" marL="457200" rtl="0" algn="l">
               <a:lnSpc>
-                <a:spcPct val="115000"/>
+                <a:spcPct val="100000"/>
               </a:lnSpc>
               <a:spcBef>
                 <a:spcPts val="0"/>
@@ -16928,7 +16810,7 @@
           <a:p>
             <a:pPr indent="-444500" lvl="0" marL="457200" rtl="0" algn="l">
               <a:lnSpc>
-                <a:spcPct val="115000"/>
+                <a:spcPct val="100000"/>
               </a:lnSpc>
               <a:spcBef>
                 <a:spcPts val="0"/>
@@ -17500,6 +17382,80 @@
               <a:ea typeface="Calibri"/>
               <a:cs typeface="Calibri"/>
               <a:sym typeface="Calibri"/>
+            </a:endParaRPr>
+          </a:p>
+        </p:txBody>
+      </p:sp>
+      <p:sp>
+        <p:nvSpPr>
+          <p:cNvPr id="120" name="Google Shape;120;p13"/>
+          <p:cNvSpPr/>
+          <p:nvPr/>
+        </p:nvSpPr>
+        <p:spPr>
+          <a:xfrm>
+            <a:off x="15465238" y="29890550"/>
+            <a:ext cx="14053800" cy="1025400"/>
+          </a:xfrm>
+          <a:prstGeom prst="rect">
+            <a:avLst/>
+          </a:prstGeom>
+          <a:solidFill>
+            <a:srgbClr val="8DA9DB"/>
+          </a:solidFill>
+          <a:ln cap="flat" cmpd="sng" w="25400">
+            <a:solidFill>
+              <a:srgbClr val="31538F"/>
+            </a:solidFill>
+            <a:prstDash val="solid"/>
+            <a:round/>
+            <a:headEnd len="sm" w="sm" type="none"/>
+            <a:tailEnd len="sm" w="sm" type="none"/>
+          </a:ln>
+        </p:spPr>
+        <p:txBody>
+          <a:bodyPr anchorCtr="0" anchor="ctr" bIns="64650" lIns="129350" spcFirstLastPara="1" rIns="129350" wrap="square" tIns="64650">
+            <a:noAutofit/>
+          </a:bodyPr>
+          <a:lstStyle/>
+          <a:p>
+            <a:pPr indent="0" lvl="0" marL="0" marR="0" rtl="0" algn="ctr">
+              <a:lnSpc>
+                <a:spcPct val="100000"/>
+              </a:lnSpc>
+              <a:spcBef>
+                <a:spcPts val="0"/>
+              </a:spcBef>
+              <a:spcAft>
+                <a:spcPts val="0"/>
+              </a:spcAft>
+              <a:buClr>
+                <a:schemeClr val="dk1"/>
+              </a:buClr>
+              <a:buSzPts val="5700"/>
+              <a:buFont typeface="Arial"/>
+              <a:buNone/>
+            </a:pPr>
+            <a:r>
+              <a:rPr b="1" lang="en-US" sz="5700">
+                <a:solidFill>
+                  <a:schemeClr val="dk1"/>
+                </a:solidFill>
+                <a:latin typeface="Constantia"/>
+                <a:ea typeface="Constantia"/>
+                <a:cs typeface="Constantia"/>
+                <a:sym typeface="Constantia"/>
+              </a:rPr>
+              <a:t>Acknowledgement</a:t>
+            </a:r>
+            <a:endParaRPr b="0" i="0" sz="2000" u="none" cap="none" strike="noStrike">
+              <a:solidFill>
+                <a:schemeClr val="dk1"/>
+              </a:solidFill>
+              <a:latin typeface="Arial"/>
+              <a:ea typeface="Arial"/>
+              <a:cs typeface="Arial"/>
+              <a:sym typeface="Arial"/>
             </a:endParaRPr>
           </a:p>
         </p:txBody>
